--- a/簡報測試.pptx
+++ b/簡報測試.pptx
@@ -3103,8 +3103,8 @@
         </p:nvSpPr>
         <p:spPr>
           <a:xfrm>
-            <a:off x="3779912" y="2996952"/>
-            <a:ext cx="1723549" cy="1015663"/>
+            <a:off x="3779911" y="2996952"/>
+            <a:ext cx="2113079" cy="1015663"/>
           </a:xfrm>
           <a:prstGeom prst="rect">
             <a:avLst/>
@@ -3120,6 +3120,10 @@
             <a:r>
               <a:rPr lang="zh-TW" altLang="en-US" sz="6000" dirty="0" smtClean="0"/>
               <a:t>測試</a:t>
+            </a:r>
+            <a:r>
+              <a:rPr lang="en-US" altLang="zh-TW" sz="6000" smtClean="0"/>
+              <a:t>1</a:t>
             </a:r>
             <a:endParaRPr lang="zh-TW" altLang="en-US" sz="6000" dirty="0"/>
           </a:p>
